--- a/ppt 16-9/0678.甘美人生.pptx
+++ b/ppt 16-9/0678.甘美人生.pptx
@@ -5,7 +5,7 @@
     <p:sldMasterId id="2147483648" r:id="rId1"/>
   </p:sldMasterIdLst>
   <p:sldIdLst>
-    <p:sldId id="2486" r:id="rId2"/>
+    <p:sldId id="2487" r:id="rId2"/>
   </p:sldIdLst>
   <p:sldSz cx="12192000" cy="6858000"/>
   <p:notesSz cx="6858000" cy="9144000"/>
@@ -129,7 +129,7 @@
           <p:cNvPr id="2" name="标题 1">
             <a:extLst>
               <a:ext uri="{FF2B5EF4-FFF2-40B4-BE49-F238E27FC236}">
-                <a16:creationId xmlns:a16="http://schemas.microsoft.com/office/drawing/2014/main" id="{3C0C34D6-B3BE-DFA6-B294-8DF8A3B70197}"/>
+                <a16:creationId xmlns:a16="http://schemas.microsoft.com/office/drawing/2014/main" id="{38BF71C2-AA31-B9F8-59E7-888E19E579D8}"/>
               </a:ext>
             </a:extLst>
           </p:cNvPr>
@@ -166,7 +166,7 @@
           <p:cNvPr id="3" name="副标题 2">
             <a:extLst>
               <a:ext uri="{FF2B5EF4-FFF2-40B4-BE49-F238E27FC236}">
-                <a16:creationId xmlns:a16="http://schemas.microsoft.com/office/drawing/2014/main" id="{6DF9DE31-68BB-C25A-4243-28FA984C8F3A}"/>
+                <a16:creationId xmlns:a16="http://schemas.microsoft.com/office/drawing/2014/main" id="{9888F945-F0CC-B8D0-B721-C9477B93EF94}"/>
               </a:ext>
             </a:extLst>
           </p:cNvPr>
@@ -236,7 +236,7 @@
           <p:cNvPr id="4" name="日期占位符 3">
             <a:extLst>
               <a:ext uri="{FF2B5EF4-FFF2-40B4-BE49-F238E27FC236}">
-                <a16:creationId xmlns:a16="http://schemas.microsoft.com/office/drawing/2014/main" id="{364E87CF-3E30-BCA6-224B-C53D5B9C1601}"/>
+                <a16:creationId xmlns:a16="http://schemas.microsoft.com/office/drawing/2014/main" id="{CFE2B870-6A88-E909-29CD-C8965D77A5ED}"/>
               </a:ext>
             </a:extLst>
           </p:cNvPr>
@@ -252,7 +252,7 @@
           <a:bodyPr/>
           <a:lstStyle/>
           <a:p>
-            <a:fld id="{7440E14E-EC14-40EA-8487-6EF4D867F966}" type="datetimeFigureOut">
+            <a:fld id="{3AE8D51A-ED13-4778-AE13-73172F4F8691}" type="datetimeFigureOut">
               <a:rPr lang="zh-CN" altLang="en-US" smtClean="0"/>
               <a:t>2024/3/10</a:t>
             </a:fld>
@@ -265,7 +265,7 @@
           <p:cNvPr id="5" name="页脚占位符 4">
             <a:extLst>
               <a:ext uri="{FF2B5EF4-FFF2-40B4-BE49-F238E27FC236}">
-                <a16:creationId xmlns:a16="http://schemas.microsoft.com/office/drawing/2014/main" id="{D420AD5A-08C3-E800-407A-B9FA48897D08}"/>
+                <a16:creationId xmlns:a16="http://schemas.microsoft.com/office/drawing/2014/main" id="{FA6B659B-9298-90CE-4589-F9B00167E11A}"/>
               </a:ext>
             </a:extLst>
           </p:cNvPr>
@@ -290,7 +290,7 @@
           <p:cNvPr id="6" name="灯片编号占位符 5">
             <a:extLst>
               <a:ext uri="{FF2B5EF4-FFF2-40B4-BE49-F238E27FC236}">
-                <a16:creationId xmlns:a16="http://schemas.microsoft.com/office/drawing/2014/main" id="{53E21EE5-AE18-91E8-3994-A929AB90C9DC}"/>
+                <a16:creationId xmlns:a16="http://schemas.microsoft.com/office/drawing/2014/main" id="{13EDE8BF-E2AC-5D2E-EAD3-3B848D5BC82A}"/>
               </a:ext>
             </a:extLst>
           </p:cNvPr>
@@ -306,7 +306,7 @@
           <a:bodyPr/>
           <a:lstStyle/>
           <a:p>
-            <a:fld id="{814CFE4A-54BF-4900-921B-EBDB43DF2979}" type="slidenum">
+            <a:fld id="{59BF7247-DEE9-4A91-A2FD-C1B1921DE60E}" type="slidenum">
               <a:rPr lang="zh-CN" altLang="en-US" smtClean="0"/>
               <a:t>‹#›</a:t>
             </a:fld>
@@ -317,7 +317,7 @@
     </p:spTree>
     <p:extLst>
       <p:ext uri="{BB962C8B-B14F-4D97-AF65-F5344CB8AC3E}">
-        <p14:creationId xmlns:p14="http://schemas.microsoft.com/office/powerpoint/2010/main" val="4207371508"/>
+        <p14:creationId xmlns:p14="http://schemas.microsoft.com/office/powerpoint/2010/main" val="2629611813"/>
       </p:ext>
     </p:extLst>
   </p:cSld>
@@ -349,7 +349,7 @@
           <p:cNvPr id="2" name="标题 1">
             <a:extLst>
               <a:ext uri="{FF2B5EF4-FFF2-40B4-BE49-F238E27FC236}">
-                <a16:creationId xmlns:a16="http://schemas.microsoft.com/office/drawing/2014/main" id="{DF843846-6700-2F61-555B-78851D15CC1F}"/>
+                <a16:creationId xmlns:a16="http://schemas.microsoft.com/office/drawing/2014/main" id="{B91D0B34-3856-79E2-1666-B0CC6C33D3CA}"/>
               </a:ext>
             </a:extLst>
           </p:cNvPr>
@@ -377,7 +377,7 @@
           <p:cNvPr id="3" name="竖排文字占位符 2">
             <a:extLst>
               <a:ext uri="{FF2B5EF4-FFF2-40B4-BE49-F238E27FC236}">
-                <a16:creationId xmlns:a16="http://schemas.microsoft.com/office/drawing/2014/main" id="{8D999BFF-E283-7F18-2A5B-57F8C361FB69}"/>
+                <a16:creationId xmlns:a16="http://schemas.microsoft.com/office/drawing/2014/main" id="{748C3767-EF4F-AE94-694E-A18CFF28E5B7}"/>
               </a:ext>
             </a:extLst>
           </p:cNvPr>
@@ -434,7 +434,7 @@
           <p:cNvPr id="4" name="日期占位符 3">
             <a:extLst>
               <a:ext uri="{FF2B5EF4-FFF2-40B4-BE49-F238E27FC236}">
-                <a16:creationId xmlns:a16="http://schemas.microsoft.com/office/drawing/2014/main" id="{737A1311-CA25-001A-0331-046F62C171AE}"/>
+                <a16:creationId xmlns:a16="http://schemas.microsoft.com/office/drawing/2014/main" id="{E9664E5C-FCD9-6B3B-F1FB-911883F5110D}"/>
               </a:ext>
             </a:extLst>
           </p:cNvPr>
@@ -450,7 +450,7 @@
           <a:bodyPr/>
           <a:lstStyle/>
           <a:p>
-            <a:fld id="{7440E14E-EC14-40EA-8487-6EF4D867F966}" type="datetimeFigureOut">
+            <a:fld id="{3AE8D51A-ED13-4778-AE13-73172F4F8691}" type="datetimeFigureOut">
               <a:rPr lang="zh-CN" altLang="en-US" smtClean="0"/>
               <a:t>2024/3/10</a:t>
             </a:fld>
@@ -463,7 +463,7 @@
           <p:cNvPr id="5" name="页脚占位符 4">
             <a:extLst>
               <a:ext uri="{FF2B5EF4-FFF2-40B4-BE49-F238E27FC236}">
-                <a16:creationId xmlns:a16="http://schemas.microsoft.com/office/drawing/2014/main" id="{D4F25FFC-2A91-AE7E-A4AF-EDF46FBE82C3}"/>
+                <a16:creationId xmlns:a16="http://schemas.microsoft.com/office/drawing/2014/main" id="{1A59FC60-6703-23A9-BEA3-AA885C518C9B}"/>
               </a:ext>
             </a:extLst>
           </p:cNvPr>
@@ -488,7 +488,7 @@
           <p:cNvPr id="6" name="灯片编号占位符 5">
             <a:extLst>
               <a:ext uri="{FF2B5EF4-FFF2-40B4-BE49-F238E27FC236}">
-                <a16:creationId xmlns:a16="http://schemas.microsoft.com/office/drawing/2014/main" id="{6D9488C3-B7E6-5A02-6829-E653479C4A86}"/>
+                <a16:creationId xmlns:a16="http://schemas.microsoft.com/office/drawing/2014/main" id="{36C325E3-2F6C-03D4-F8E8-647BC18213C7}"/>
               </a:ext>
             </a:extLst>
           </p:cNvPr>
@@ -504,7 +504,7 @@
           <a:bodyPr/>
           <a:lstStyle/>
           <a:p>
-            <a:fld id="{814CFE4A-54BF-4900-921B-EBDB43DF2979}" type="slidenum">
+            <a:fld id="{59BF7247-DEE9-4A91-A2FD-C1B1921DE60E}" type="slidenum">
               <a:rPr lang="zh-CN" altLang="en-US" smtClean="0"/>
               <a:t>‹#›</a:t>
             </a:fld>
@@ -515,7 +515,7 @@
     </p:spTree>
     <p:extLst>
       <p:ext uri="{BB962C8B-B14F-4D97-AF65-F5344CB8AC3E}">
-        <p14:creationId xmlns:p14="http://schemas.microsoft.com/office/powerpoint/2010/main" val="1743285671"/>
+        <p14:creationId xmlns:p14="http://schemas.microsoft.com/office/powerpoint/2010/main" val="2118342849"/>
       </p:ext>
     </p:extLst>
   </p:cSld>
@@ -547,7 +547,7 @@
           <p:cNvPr id="2" name="竖排标题 1">
             <a:extLst>
               <a:ext uri="{FF2B5EF4-FFF2-40B4-BE49-F238E27FC236}">
-                <a16:creationId xmlns:a16="http://schemas.microsoft.com/office/drawing/2014/main" id="{C6378D35-B268-827A-FF1D-3411A6533EDB}"/>
+                <a16:creationId xmlns:a16="http://schemas.microsoft.com/office/drawing/2014/main" id="{AF7D742E-32AE-967E-4A36-7E835AA8C88B}"/>
               </a:ext>
             </a:extLst>
           </p:cNvPr>
@@ -580,7 +580,7 @@
           <p:cNvPr id="3" name="竖排文字占位符 2">
             <a:extLst>
               <a:ext uri="{FF2B5EF4-FFF2-40B4-BE49-F238E27FC236}">
-                <a16:creationId xmlns:a16="http://schemas.microsoft.com/office/drawing/2014/main" id="{D1BC6293-2EB0-C693-54EF-B1A0D4999359}"/>
+                <a16:creationId xmlns:a16="http://schemas.microsoft.com/office/drawing/2014/main" id="{28D52572-D31D-AA2B-5DE9-3E26D40E1791}"/>
               </a:ext>
             </a:extLst>
           </p:cNvPr>
@@ -642,7 +642,7 @@
           <p:cNvPr id="4" name="日期占位符 3">
             <a:extLst>
               <a:ext uri="{FF2B5EF4-FFF2-40B4-BE49-F238E27FC236}">
-                <a16:creationId xmlns:a16="http://schemas.microsoft.com/office/drawing/2014/main" id="{87B01FC6-0B94-11D9-F330-D86133E656A8}"/>
+                <a16:creationId xmlns:a16="http://schemas.microsoft.com/office/drawing/2014/main" id="{E48A3FC5-08FC-B620-E0AF-9ED94960E719}"/>
               </a:ext>
             </a:extLst>
           </p:cNvPr>
@@ -658,7 +658,7 @@
           <a:bodyPr/>
           <a:lstStyle/>
           <a:p>
-            <a:fld id="{7440E14E-EC14-40EA-8487-6EF4D867F966}" type="datetimeFigureOut">
+            <a:fld id="{3AE8D51A-ED13-4778-AE13-73172F4F8691}" type="datetimeFigureOut">
               <a:rPr lang="zh-CN" altLang="en-US" smtClean="0"/>
               <a:t>2024/3/10</a:t>
             </a:fld>
@@ -671,7 +671,7 @@
           <p:cNvPr id="5" name="页脚占位符 4">
             <a:extLst>
               <a:ext uri="{FF2B5EF4-FFF2-40B4-BE49-F238E27FC236}">
-                <a16:creationId xmlns:a16="http://schemas.microsoft.com/office/drawing/2014/main" id="{2A30BD69-B621-6F42-134E-9C751722C242}"/>
+                <a16:creationId xmlns:a16="http://schemas.microsoft.com/office/drawing/2014/main" id="{D3159071-446F-C2D8-2926-61949E4F3474}"/>
               </a:ext>
             </a:extLst>
           </p:cNvPr>
@@ -696,7 +696,7 @@
           <p:cNvPr id="6" name="灯片编号占位符 5">
             <a:extLst>
               <a:ext uri="{FF2B5EF4-FFF2-40B4-BE49-F238E27FC236}">
-                <a16:creationId xmlns:a16="http://schemas.microsoft.com/office/drawing/2014/main" id="{D003D6DC-EC3F-CA47-9BD5-3C5BBB6681E9}"/>
+                <a16:creationId xmlns:a16="http://schemas.microsoft.com/office/drawing/2014/main" id="{1F64D923-7284-42AC-2DA7-3B81112B868A}"/>
               </a:ext>
             </a:extLst>
           </p:cNvPr>
@@ -712,7 +712,7 @@
           <a:bodyPr/>
           <a:lstStyle/>
           <a:p>
-            <a:fld id="{814CFE4A-54BF-4900-921B-EBDB43DF2979}" type="slidenum">
+            <a:fld id="{59BF7247-DEE9-4A91-A2FD-C1B1921DE60E}" type="slidenum">
               <a:rPr lang="zh-CN" altLang="en-US" smtClean="0"/>
               <a:t>‹#›</a:t>
             </a:fld>
@@ -723,7 +723,7 @@
     </p:spTree>
     <p:extLst>
       <p:ext uri="{BB962C8B-B14F-4D97-AF65-F5344CB8AC3E}">
-        <p14:creationId xmlns:p14="http://schemas.microsoft.com/office/powerpoint/2010/main" val="530998089"/>
+        <p14:creationId xmlns:p14="http://schemas.microsoft.com/office/powerpoint/2010/main" val="1316511691"/>
       </p:ext>
     </p:extLst>
   </p:cSld>
@@ -755,7 +755,7 @@
           <p:cNvPr id="2" name="标题 1">
             <a:extLst>
               <a:ext uri="{FF2B5EF4-FFF2-40B4-BE49-F238E27FC236}">
-                <a16:creationId xmlns:a16="http://schemas.microsoft.com/office/drawing/2014/main" id="{120A57E2-EC33-C756-5D8E-DE6014A26F78}"/>
+                <a16:creationId xmlns:a16="http://schemas.microsoft.com/office/drawing/2014/main" id="{67BFC608-CFB4-4F96-9BA3-3534556FCCEA}"/>
               </a:ext>
             </a:extLst>
           </p:cNvPr>
@@ -783,7 +783,7 @@
           <p:cNvPr id="3" name="内容占位符 2">
             <a:extLst>
               <a:ext uri="{FF2B5EF4-FFF2-40B4-BE49-F238E27FC236}">
-                <a16:creationId xmlns:a16="http://schemas.microsoft.com/office/drawing/2014/main" id="{B4873769-9371-2648-94B8-53310E54D71C}"/>
+                <a16:creationId xmlns:a16="http://schemas.microsoft.com/office/drawing/2014/main" id="{3635498C-0C2C-E9D8-7DD4-113B0E0FC94C}"/>
               </a:ext>
             </a:extLst>
           </p:cNvPr>
@@ -840,7 +840,7 @@
           <p:cNvPr id="4" name="日期占位符 3">
             <a:extLst>
               <a:ext uri="{FF2B5EF4-FFF2-40B4-BE49-F238E27FC236}">
-                <a16:creationId xmlns:a16="http://schemas.microsoft.com/office/drawing/2014/main" id="{70E0167B-56D4-0C85-9D95-499978B21451}"/>
+                <a16:creationId xmlns:a16="http://schemas.microsoft.com/office/drawing/2014/main" id="{6117AA33-CD5F-F8B4-1D25-E018000DC6F6}"/>
               </a:ext>
             </a:extLst>
           </p:cNvPr>
@@ -856,7 +856,7 @@
           <a:bodyPr/>
           <a:lstStyle/>
           <a:p>
-            <a:fld id="{7440E14E-EC14-40EA-8487-6EF4D867F966}" type="datetimeFigureOut">
+            <a:fld id="{3AE8D51A-ED13-4778-AE13-73172F4F8691}" type="datetimeFigureOut">
               <a:rPr lang="zh-CN" altLang="en-US" smtClean="0"/>
               <a:t>2024/3/10</a:t>
             </a:fld>
@@ -869,7 +869,7 @@
           <p:cNvPr id="5" name="页脚占位符 4">
             <a:extLst>
               <a:ext uri="{FF2B5EF4-FFF2-40B4-BE49-F238E27FC236}">
-                <a16:creationId xmlns:a16="http://schemas.microsoft.com/office/drawing/2014/main" id="{33CF2218-84D0-D283-EFC8-1C2B159DCA00}"/>
+                <a16:creationId xmlns:a16="http://schemas.microsoft.com/office/drawing/2014/main" id="{9CAAC003-AE35-F4FF-18FC-30D0672918D3}"/>
               </a:ext>
             </a:extLst>
           </p:cNvPr>
@@ -894,7 +894,7 @@
           <p:cNvPr id="6" name="灯片编号占位符 5">
             <a:extLst>
               <a:ext uri="{FF2B5EF4-FFF2-40B4-BE49-F238E27FC236}">
-                <a16:creationId xmlns:a16="http://schemas.microsoft.com/office/drawing/2014/main" id="{8E51CA31-D090-E714-7A9D-09D69B6F8A1F}"/>
+                <a16:creationId xmlns:a16="http://schemas.microsoft.com/office/drawing/2014/main" id="{3175FF7D-A282-061F-8924-3E0A1A12882C}"/>
               </a:ext>
             </a:extLst>
           </p:cNvPr>
@@ -910,7 +910,7 @@
           <a:bodyPr/>
           <a:lstStyle/>
           <a:p>
-            <a:fld id="{814CFE4A-54BF-4900-921B-EBDB43DF2979}" type="slidenum">
+            <a:fld id="{59BF7247-DEE9-4A91-A2FD-C1B1921DE60E}" type="slidenum">
               <a:rPr lang="zh-CN" altLang="en-US" smtClean="0"/>
               <a:t>‹#›</a:t>
             </a:fld>
@@ -921,7 +921,7 @@
     </p:spTree>
     <p:extLst>
       <p:ext uri="{BB962C8B-B14F-4D97-AF65-F5344CB8AC3E}">
-        <p14:creationId xmlns:p14="http://schemas.microsoft.com/office/powerpoint/2010/main" val="2708705307"/>
+        <p14:creationId xmlns:p14="http://schemas.microsoft.com/office/powerpoint/2010/main" val="3024147026"/>
       </p:ext>
     </p:extLst>
   </p:cSld>
@@ -953,7 +953,7 @@
           <p:cNvPr id="2" name="标题 1">
             <a:extLst>
               <a:ext uri="{FF2B5EF4-FFF2-40B4-BE49-F238E27FC236}">
-                <a16:creationId xmlns:a16="http://schemas.microsoft.com/office/drawing/2014/main" id="{4A834E1B-0478-B7A1-A2EA-34FCA14DD86A}"/>
+                <a16:creationId xmlns:a16="http://schemas.microsoft.com/office/drawing/2014/main" id="{D1BF94BC-49B9-6B9C-691E-CD0F3295F828}"/>
               </a:ext>
             </a:extLst>
           </p:cNvPr>
@@ -990,7 +990,7 @@
           <p:cNvPr id="3" name="文本占位符 2">
             <a:extLst>
               <a:ext uri="{FF2B5EF4-FFF2-40B4-BE49-F238E27FC236}">
-                <a16:creationId xmlns:a16="http://schemas.microsoft.com/office/drawing/2014/main" id="{D9FC7C31-85D8-CB27-22ED-B8ECA6D9F56E}"/>
+                <a16:creationId xmlns:a16="http://schemas.microsoft.com/office/drawing/2014/main" id="{AF88CE33-B378-BF0B-C4C1-A04F5D6DD08A}"/>
               </a:ext>
             </a:extLst>
           </p:cNvPr>
@@ -1115,7 +1115,7 @@
           <p:cNvPr id="4" name="日期占位符 3">
             <a:extLst>
               <a:ext uri="{FF2B5EF4-FFF2-40B4-BE49-F238E27FC236}">
-                <a16:creationId xmlns:a16="http://schemas.microsoft.com/office/drawing/2014/main" id="{79B0C0E6-5009-162C-B0DB-7926B5DF1807}"/>
+                <a16:creationId xmlns:a16="http://schemas.microsoft.com/office/drawing/2014/main" id="{F08B6CDF-2251-4AFA-69D6-E34F34493140}"/>
               </a:ext>
             </a:extLst>
           </p:cNvPr>
@@ -1131,7 +1131,7 @@
           <a:bodyPr/>
           <a:lstStyle/>
           <a:p>
-            <a:fld id="{7440E14E-EC14-40EA-8487-6EF4D867F966}" type="datetimeFigureOut">
+            <a:fld id="{3AE8D51A-ED13-4778-AE13-73172F4F8691}" type="datetimeFigureOut">
               <a:rPr lang="zh-CN" altLang="en-US" smtClean="0"/>
               <a:t>2024/3/10</a:t>
             </a:fld>
@@ -1144,7 +1144,7 @@
           <p:cNvPr id="5" name="页脚占位符 4">
             <a:extLst>
               <a:ext uri="{FF2B5EF4-FFF2-40B4-BE49-F238E27FC236}">
-                <a16:creationId xmlns:a16="http://schemas.microsoft.com/office/drawing/2014/main" id="{E04ABB54-E8FB-17B1-FA04-2537BA2495E4}"/>
+                <a16:creationId xmlns:a16="http://schemas.microsoft.com/office/drawing/2014/main" id="{8011333B-AB0B-BE76-A7D3-D10975FAD034}"/>
               </a:ext>
             </a:extLst>
           </p:cNvPr>
@@ -1169,7 +1169,7 @@
           <p:cNvPr id="6" name="灯片编号占位符 5">
             <a:extLst>
               <a:ext uri="{FF2B5EF4-FFF2-40B4-BE49-F238E27FC236}">
-                <a16:creationId xmlns:a16="http://schemas.microsoft.com/office/drawing/2014/main" id="{A7DA74F2-9572-894B-0DD1-D8B351107F40}"/>
+                <a16:creationId xmlns:a16="http://schemas.microsoft.com/office/drawing/2014/main" id="{4AF33E63-0EBE-02A4-6B63-B2AF72B13E2F}"/>
               </a:ext>
             </a:extLst>
           </p:cNvPr>
@@ -1185,7 +1185,7 @@
           <a:bodyPr/>
           <a:lstStyle/>
           <a:p>
-            <a:fld id="{814CFE4A-54BF-4900-921B-EBDB43DF2979}" type="slidenum">
+            <a:fld id="{59BF7247-DEE9-4A91-A2FD-C1B1921DE60E}" type="slidenum">
               <a:rPr lang="zh-CN" altLang="en-US" smtClean="0"/>
               <a:t>‹#›</a:t>
             </a:fld>
@@ -1196,7 +1196,7 @@
     </p:spTree>
     <p:extLst>
       <p:ext uri="{BB962C8B-B14F-4D97-AF65-F5344CB8AC3E}">
-        <p14:creationId xmlns:p14="http://schemas.microsoft.com/office/powerpoint/2010/main" val="4275767651"/>
+        <p14:creationId xmlns:p14="http://schemas.microsoft.com/office/powerpoint/2010/main" val="4207372374"/>
       </p:ext>
     </p:extLst>
   </p:cSld>
@@ -1228,7 +1228,7 @@
           <p:cNvPr id="2" name="标题 1">
             <a:extLst>
               <a:ext uri="{FF2B5EF4-FFF2-40B4-BE49-F238E27FC236}">
-                <a16:creationId xmlns:a16="http://schemas.microsoft.com/office/drawing/2014/main" id="{ACBC075F-E5C0-DA1D-8815-65C367C72B13}"/>
+                <a16:creationId xmlns:a16="http://schemas.microsoft.com/office/drawing/2014/main" id="{1A2FDA39-305F-5E45-9C64-239AD2DB4309}"/>
               </a:ext>
             </a:extLst>
           </p:cNvPr>
@@ -1256,7 +1256,7 @@
           <p:cNvPr id="3" name="内容占位符 2">
             <a:extLst>
               <a:ext uri="{FF2B5EF4-FFF2-40B4-BE49-F238E27FC236}">
-                <a16:creationId xmlns:a16="http://schemas.microsoft.com/office/drawing/2014/main" id="{E96DFC45-8158-853E-3D76-0FF1FC5A8329}"/>
+                <a16:creationId xmlns:a16="http://schemas.microsoft.com/office/drawing/2014/main" id="{6A915283-A0BA-B27A-7F83-8D10289BC223}"/>
               </a:ext>
             </a:extLst>
           </p:cNvPr>
@@ -1318,7 +1318,7 @@
           <p:cNvPr id="4" name="内容占位符 3">
             <a:extLst>
               <a:ext uri="{FF2B5EF4-FFF2-40B4-BE49-F238E27FC236}">
-                <a16:creationId xmlns:a16="http://schemas.microsoft.com/office/drawing/2014/main" id="{DC4C6564-2DF9-BF2D-432B-34654AD8B8DF}"/>
+                <a16:creationId xmlns:a16="http://schemas.microsoft.com/office/drawing/2014/main" id="{2D4DEB60-3B2B-4BF9-3E5B-80C49DC73E76}"/>
               </a:ext>
             </a:extLst>
           </p:cNvPr>
@@ -1380,7 +1380,7 @@
           <p:cNvPr id="5" name="日期占位符 4">
             <a:extLst>
               <a:ext uri="{FF2B5EF4-FFF2-40B4-BE49-F238E27FC236}">
-                <a16:creationId xmlns:a16="http://schemas.microsoft.com/office/drawing/2014/main" id="{747D1F4D-E4A8-3C44-4118-BF403C8A6C9A}"/>
+                <a16:creationId xmlns:a16="http://schemas.microsoft.com/office/drawing/2014/main" id="{04305526-AD54-3385-7740-F5DA491667CC}"/>
               </a:ext>
             </a:extLst>
           </p:cNvPr>
@@ -1396,7 +1396,7 @@
           <a:bodyPr/>
           <a:lstStyle/>
           <a:p>
-            <a:fld id="{7440E14E-EC14-40EA-8487-6EF4D867F966}" type="datetimeFigureOut">
+            <a:fld id="{3AE8D51A-ED13-4778-AE13-73172F4F8691}" type="datetimeFigureOut">
               <a:rPr lang="zh-CN" altLang="en-US" smtClean="0"/>
               <a:t>2024/3/10</a:t>
             </a:fld>
@@ -1409,7 +1409,7 @@
           <p:cNvPr id="6" name="页脚占位符 5">
             <a:extLst>
               <a:ext uri="{FF2B5EF4-FFF2-40B4-BE49-F238E27FC236}">
-                <a16:creationId xmlns:a16="http://schemas.microsoft.com/office/drawing/2014/main" id="{E56D8D1E-08F6-8C38-9386-08498711EDDC}"/>
+                <a16:creationId xmlns:a16="http://schemas.microsoft.com/office/drawing/2014/main" id="{B0AFCDD2-1EDF-7781-DEB6-4B5F78CD6457}"/>
               </a:ext>
             </a:extLst>
           </p:cNvPr>
@@ -1434,7 +1434,7 @@
           <p:cNvPr id="7" name="灯片编号占位符 6">
             <a:extLst>
               <a:ext uri="{FF2B5EF4-FFF2-40B4-BE49-F238E27FC236}">
-                <a16:creationId xmlns:a16="http://schemas.microsoft.com/office/drawing/2014/main" id="{72B684BB-A71F-BF94-39C8-BD811AC4B99B}"/>
+                <a16:creationId xmlns:a16="http://schemas.microsoft.com/office/drawing/2014/main" id="{9B4E2190-5077-0D21-4A0A-7FCF7C9A3606}"/>
               </a:ext>
             </a:extLst>
           </p:cNvPr>
@@ -1450,7 +1450,7 @@
           <a:bodyPr/>
           <a:lstStyle/>
           <a:p>
-            <a:fld id="{814CFE4A-54BF-4900-921B-EBDB43DF2979}" type="slidenum">
+            <a:fld id="{59BF7247-DEE9-4A91-A2FD-C1B1921DE60E}" type="slidenum">
               <a:rPr lang="zh-CN" altLang="en-US" smtClean="0"/>
               <a:t>‹#›</a:t>
             </a:fld>
@@ -1461,7 +1461,7 @@
     </p:spTree>
     <p:extLst>
       <p:ext uri="{BB962C8B-B14F-4D97-AF65-F5344CB8AC3E}">
-        <p14:creationId xmlns:p14="http://schemas.microsoft.com/office/powerpoint/2010/main" val="3374717004"/>
+        <p14:creationId xmlns:p14="http://schemas.microsoft.com/office/powerpoint/2010/main" val="105254031"/>
       </p:ext>
     </p:extLst>
   </p:cSld>
@@ -1493,7 +1493,7 @@
           <p:cNvPr id="2" name="标题 1">
             <a:extLst>
               <a:ext uri="{FF2B5EF4-FFF2-40B4-BE49-F238E27FC236}">
-                <a16:creationId xmlns:a16="http://schemas.microsoft.com/office/drawing/2014/main" id="{E9251A32-E1C1-E337-EDD6-DE980ED58012}"/>
+                <a16:creationId xmlns:a16="http://schemas.microsoft.com/office/drawing/2014/main" id="{15D92572-5315-D6F6-716D-5252477D32BA}"/>
               </a:ext>
             </a:extLst>
           </p:cNvPr>
@@ -1526,7 +1526,7 @@
           <p:cNvPr id="3" name="文本占位符 2">
             <a:extLst>
               <a:ext uri="{FF2B5EF4-FFF2-40B4-BE49-F238E27FC236}">
-                <a16:creationId xmlns:a16="http://schemas.microsoft.com/office/drawing/2014/main" id="{BD7F9D16-BA27-B1BB-5375-DA3939B5D02D}"/>
+                <a16:creationId xmlns:a16="http://schemas.microsoft.com/office/drawing/2014/main" id="{A47CC133-B757-4642-A9AF-9B57D96A8A7E}"/>
               </a:ext>
             </a:extLst>
           </p:cNvPr>
@@ -1597,7 +1597,7 @@
           <p:cNvPr id="4" name="内容占位符 3">
             <a:extLst>
               <a:ext uri="{FF2B5EF4-FFF2-40B4-BE49-F238E27FC236}">
-                <a16:creationId xmlns:a16="http://schemas.microsoft.com/office/drawing/2014/main" id="{C7A717CE-E650-7480-FF7B-C4394A7059EC}"/>
+                <a16:creationId xmlns:a16="http://schemas.microsoft.com/office/drawing/2014/main" id="{4267E76C-C069-3669-7418-887A5CC17346}"/>
               </a:ext>
             </a:extLst>
           </p:cNvPr>
@@ -1659,7 +1659,7 @@
           <p:cNvPr id="5" name="文本占位符 4">
             <a:extLst>
               <a:ext uri="{FF2B5EF4-FFF2-40B4-BE49-F238E27FC236}">
-                <a16:creationId xmlns:a16="http://schemas.microsoft.com/office/drawing/2014/main" id="{A75F3FD3-AB4E-57FB-17D5-5660660BF80A}"/>
+                <a16:creationId xmlns:a16="http://schemas.microsoft.com/office/drawing/2014/main" id="{5A7EBCF6-C3A5-D578-4C26-A4215AA491EC}"/>
               </a:ext>
             </a:extLst>
           </p:cNvPr>
@@ -1730,7 +1730,7 @@
           <p:cNvPr id="6" name="内容占位符 5">
             <a:extLst>
               <a:ext uri="{FF2B5EF4-FFF2-40B4-BE49-F238E27FC236}">
-                <a16:creationId xmlns:a16="http://schemas.microsoft.com/office/drawing/2014/main" id="{63EE3B20-DAF8-CDBC-9CBB-C97791DA2358}"/>
+                <a16:creationId xmlns:a16="http://schemas.microsoft.com/office/drawing/2014/main" id="{859AD4A7-E0D7-7720-6CA8-B7478AA0A919}"/>
               </a:ext>
             </a:extLst>
           </p:cNvPr>
@@ -1792,7 +1792,7 @@
           <p:cNvPr id="7" name="日期占位符 6">
             <a:extLst>
               <a:ext uri="{FF2B5EF4-FFF2-40B4-BE49-F238E27FC236}">
-                <a16:creationId xmlns:a16="http://schemas.microsoft.com/office/drawing/2014/main" id="{5A7575B8-38B0-9A23-1C78-2CB8DEAE69B3}"/>
+                <a16:creationId xmlns:a16="http://schemas.microsoft.com/office/drawing/2014/main" id="{2FDB8C0F-E70E-7975-DD04-3B38FA2E384B}"/>
               </a:ext>
             </a:extLst>
           </p:cNvPr>
@@ -1808,7 +1808,7 @@
           <a:bodyPr/>
           <a:lstStyle/>
           <a:p>
-            <a:fld id="{7440E14E-EC14-40EA-8487-6EF4D867F966}" type="datetimeFigureOut">
+            <a:fld id="{3AE8D51A-ED13-4778-AE13-73172F4F8691}" type="datetimeFigureOut">
               <a:rPr lang="zh-CN" altLang="en-US" smtClean="0"/>
               <a:t>2024/3/10</a:t>
             </a:fld>
@@ -1821,7 +1821,7 @@
           <p:cNvPr id="8" name="页脚占位符 7">
             <a:extLst>
               <a:ext uri="{FF2B5EF4-FFF2-40B4-BE49-F238E27FC236}">
-                <a16:creationId xmlns:a16="http://schemas.microsoft.com/office/drawing/2014/main" id="{7F3FCA51-D1DA-6BEE-2D99-4DB8494811A4}"/>
+                <a16:creationId xmlns:a16="http://schemas.microsoft.com/office/drawing/2014/main" id="{45AC21B0-05B9-3CC5-914E-A245F7A023B2}"/>
               </a:ext>
             </a:extLst>
           </p:cNvPr>
@@ -1846,7 +1846,7 @@
           <p:cNvPr id="9" name="灯片编号占位符 8">
             <a:extLst>
               <a:ext uri="{FF2B5EF4-FFF2-40B4-BE49-F238E27FC236}">
-                <a16:creationId xmlns:a16="http://schemas.microsoft.com/office/drawing/2014/main" id="{27143352-4378-89FD-6400-3BC98EA3BB36}"/>
+                <a16:creationId xmlns:a16="http://schemas.microsoft.com/office/drawing/2014/main" id="{348EEF48-5C85-F5EA-6413-955A74DCDC88}"/>
               </a:ext>
             </a:extLst>
           </p:cNvPr>
@@ -1862,7 +1862,7 @@
           <a:bodyPr/>
           <a:lstStyle/>
           <a:p>
-            <a:fld id="{814CFE4A-54BF-4900-921B-EBDB43DF2979}" type="slidenum">
+            <a:fld id="{59BF7247-DEE9-4A91-A2FD-C1B1921DE60E}" type="slidenum">
               <a:rPr lang="zh-CN" altLang="en-US" smtClean="0"/>
               <a:t>‹#›</a:t>
             </a:fld>
@@ -1873,7 +1873,7 @@
     </p:spTree>
     <p:extLst>
       <p:ext uri="{BB962C8B-B14F-4D97-AF65-F5344CB8AC3E}">
-        <p14:creationId xmlns:p14="http://schemas.microsoft.com/office/powerpoint/2010/main" val="3250098887"/>
+        <p14:creationId xmlns:p14="http://schemas.microsoft.com/office/powerpoint/2010/main" val="3741114270"/>
       </p:ext>
     </p:extLst>
   </p:cSld>
@@ -1905,7 +1905,7 @@
           <p:cNvPr id="2" name="标题 1">
             <a:extLst>
               <a:ext uri="{FF2B5EF4-FFF2-40B4-BE49-F238E27FC236}">
-                <a16:creationId xmlns:a16="http://schemas.microsoft.com/office/drawing/2014/main" id="{EBE338E2-2BBF-7756-34A2-C275922628B3}"/>
+                <a16:creationId xmlns:a16="http://schemas.microsoft.com/office/drawing/2014/main" id="{A1F89A5F-64F1-E36D-5A16-23F3554F9855}"/>
               </a:ext>
             </a:extLst>
           </p:cNvPr>
@@ -1933,7 +1933,7 @@
           <p:cNvPr id="3" name="日期占位符 2">
             <a:extLst>
               <a:ext uri="{FF2B5EF4-FFF2-40B4-BE49-F238E27FC236}">
-                <a16:creationId xmlns:a16="http://schemas.microsoft.com/office/drawing/2014/main" id="{485719F0-01DB-4AA2-EB9C-F20A579409A1}"/>
+                <a16:creationId xmlns:a16="http://schemas.microsoft.com/office/drawing/2014/main" id="{E0E2E33D-F8E1-95E3-69E9-47E7C8C640E6}"/>
               </a:ext>
             </a:extLst>
           </p:cNvPr>
@@ -1949,7 +1949,7 @@
           <a:bodyPr/>
           <a:lstStyle/>
           <a:p>
-            <a:fld id="{7440E14E-EC14-40EA-8487-6EF4D867F966}" type="datetimeFigureOut">
+            <a:fld id="{3AE8D51A-ED13-4778-AE13-73172F4F8691}" type="datetimeFigureOut">
               <a:rPr lang="zh-CN" altLang="en-US" smtClean="0"/>
               <a:t>2024/3/10</a:t>
             </a:fld>
@@ -1962,7 +1962,7 @@
           <p:cNvPr id="4" name="页脚占位符 3">
             <a:extLst>
               <a:ext uri="{FF2B5EF4-FFF2-40B4-BE49-F238E27FC236}">
-                <a16:creationId xmlns:a16="http://schemas.microsoft.com/office/drawing/2014/main" id="{2148FF58-115B-E635-A125-AC7B83B3D369}"/>
+                <a16:creationId xmlns:a16="http://schemas.microsoft.com/office/drawing/2014/main" id="{8D706BDB-A197-DE87-6753-85C10B167F61}"/>
               </a:ext>
             </a:extLst>
           </p:cNvPr>
@@ -1987,7 +1987,7 @@
           <p:cNvPr id="5" name="灯片编号占位符 4">
             <a:extLst>
               <a:ext uri="{FF2B5EF4-FFF2-40B4-BE49-F238E27FC236}">
-                <a16:creationId xmlns:a16="http://schemas.microsoft.com/office/drawing/2014/main" id="{7071EF5B-6D12-4688-DB78-D2111196B0D0}"/>
+                <a16:creationId xmlns:a16="http://schemas.microsoft.com/office/drawing/2014/main" id="{0505FBF6-79F1-8D8C-3652-86F4C8C10C85}"/>
               </a:ext>
             </a:extLst>
           </p:cNvPr>
@@ -2003,7 +2003,7 @@
           <a:bodyPr/>
           <a:lstStyle/>
           <a:p>
-            <a:fld id="{814CFE4A-54BF-4900-921B-EBDB43DF2979}" type="slidenum">
+            <a:fld id="{59BF7247-DEE9-4A91-A2FD-C1B1921DE60E}" type="slidenum">
               <a:rPr lang="zh-CN" altLang="en-US" smtClean="0"/>
               <a:t>‹#›</a:t>
             </a:fld>
@@ -2014,7 +2014,7 @@
     </p:spTree>
     <p:extLst>
       <p:ext uri="{BB962C8B-B14F-4D97-AF65-F5344CB8AC3E}">
-        <p14:creationId xmlns:p14="http://schemas.microsoft.com/office/powerpoint/2010/main" val="1780329669"/>
+        <p14:creationId xmlns:p14="http://schemas.microsoft.com/office/powerpoint/2010/main" val="3418555775"/>
       </p:ext>
     </p:extLst>
   </p:cSld>
@@ -2046,7 +2046,7 @@
           <p:cNvPr id="2" name="日期占位符 1">
             <a:extLst>
               <a:ext uri="{FF2B5EF4-FFF2-40B4-BE49-F238E27FC236}">
-                <a16:creationId xmlns:a16="http://schemas.microsoft.com/office/drawing/2014/main" id="{DD0B9FB4-71B4-5A11-81F0-F5E6CED44144}"/>
+                <a16:creationId xmlns:a16="http://schemas.microsoft.com/office/drawing/2014/main" id="{D3961CB2-82DE-EC60-2537-EF17EB7E20B9}"/>
               </a:ext>
             </a:extLst>
           </p:cNvPr>
@@ -2062,7 +2062,7 @@
           <a:bodyPr/>
           <a:lstStyle/>
           <a:p>
-            <a:fld id="{7440E14E-EC14-40EA-8487-6EF4D867F966}" type="datetimeFigureOut">
+            <a:fld id="{3AE8D51A-ED13-4778-AE13-73172F4F8691}" type="datetimeFigureOut">
               <a:rPr lang="zh-CN" altLang="en-US" smtClean="0"/>
               <a:t>2024/3/10</a:t>
             </a:fld>
@@ -2075,7 +2075,7 @@
           <p:cNvPr id="3" name="页脚占位符 2">
             <a:extLst>
               <a:ext uri="{FF2B5EF4-FFF2-40B4-BE49-F238E27FC236}">
-                <a16:creationId xmlns:a16="http://schemas.microsoft.com/office/drawing/2014/main" id="{1B1FB39D-4C92-75F9-C96F-C6929E2B5F72}"/>
+                <a16:creationId xmlns:a16="http://schemas.microsoft.com/office/drawing/2014/main" id="{21914146-F4AE-8E35-F931-1E8744C35058}"/>
               </a:ext>
             </a:extLst>
           </p:cNvPr>
@@ -2100,7 +2100,7 @@
           <p:cNvPr id="4" name="灯片编号占位符 3">
             <a:extLst>
               <a:ext uri="{FF2B5EF4-FFF2-40B4-BE49-F238E27FC236}">
-                <a16:creationId xmlns:a16="http://schemas.microsoft.com/office/drawing/2014/main" id="{3B013B04-562D-3C81-887E-EBD9C607A2E8}"/>
+                <a16:creationId xmlns:a16="http://schemas.microsoft.com/office/drawing/2014/main" id="{EF705880-DAFA-3383-09E5-F2EAB5572816}"/>
               </a:ext>
             </a:extLst>
           </p:cNvPr>
@@ -2116,7 +2116,7 @@
           <a:bodyPr/>
           <a:lstStyle/>
           <a:p>
-            <a:fld id="{814CFE4A-54BF-4900-921B-EBDB43DF2979}" type="slidenum">
+            <a:fld id="{59BF7247-DEE9-4A91-A2FD-C1B1921DE60E}" type="slidenum">
               <a:rPr lang="zh-CN" altLang="en-US" smtClean="0"/>
               <a:t>‹#›</a:t>
             </a:fld>
@@ -2127,7 +2127,7 @@
     </p:spTree>
     <p:extLst>
       <p:ext uri="{BB962C8B-B14F-4D97-AF65-F5344CB8AC3E}">
-        <p14:creationId xmlns:p14="http://schemas.microsoft.com/office/powerpoint/2010/main" val="3661045791"/>
+        <p14:creationId xmlns:p14="http://schemas.microsoft.com/office/powerpoint/2010/main" val="412470580"/>
       </p:ext>
     </p:extLst>
   </p:cSld>
@@ -2159,7 +2159,7 @@
           <p:cNvPr id="2" name="标题 1">
             <a:extLst>
               <a:ext uri="{FF2B5EF4-FFF2-40B4-BE49-F238E27FC236}">
-                <a16:creationId xmlns:a16="http://schemas.microsoft.com/office/drawing/2014/main" id="{6E0E337D-A9C4-D5B4-8AD2-4C50ACD828E3}"/>
+                <a16:creationId xmlns:a16="http://schemas.microsoft.com/office/drawing/2014/main" id="{BB680894-F59E-3F99-7D31-F098BB00646A}"/>
               </a:ext>
             </a:extLst>
           </p:cNvPr>
@@ -2196,7 +2196,7 @@
           <p:cNvPr id="3" name="内容占位符 2">
             <a:extLst>
               <a:ext uri="{FF2B5EF4-FFF2-40B4-BE49-F238E27FC236}">
-                <a16:creationId xmlns:a16="http://schemas.microsoft.com/office/drawing/2014/main" id="{C60AAEE2-F8ED-98E9-F21F-5D3F9A583D81}"/>
+                <a16:creationId xmlns:a16="http://schemas.microsoft.com/office/drawing/2014/main" id="{09C8DB75-D5D6-BBF2-73ED-18C84BD80CE1}"/>
               </a:ext>
             </a:extLst>
           </p:cNvPr>
@@ -2286,7 +2286,7 @@
           <p:cNvPr id="4" name="文本占位符 3">
             <a:extLst>
               <a:ext uri="{FF2B5EF4-FFF2-40B4-BE49-F238E27FC236}">
-                <a16:creationId xmlns:a16="http://schemas.microsoft.com/office/drawing/2014/main" id="{9C933A2F-EB05-B818-CB14-58661DA65866}"/>
+                <a16:creationId xmlns:a16="http://schemas.microsoft.com/office/drawing/2014/main" id="{B4932C54-66BA-43B0-57D6-E08A2605EDEA}"/>
               </a:ext>
             </a:extLst>
           </p:cNvPr>
@@ -2357,7 +2357,7 @@
           <p:cNvPr id="5" name="日期占位符 4">
             <a:extLst>
               <a:ext uri="{FF2B5EF4-FFF2-40B4-BE49-F238E27FC236}">
-                <a16:creationId xmlns:a16="http://schemas.microsoft.com/office/drawing/2014/main" id="{D4EEEF76-38C8-679F-E90B-BB1FF1102EA7}"/>
+                <a16:creationId xmlns:a16="http://schemas.microsoft.com/office/drawing/2014/main" id="{87A46223-FECD-D40A-DA38-5EB37169DD20}"/>
               </a:ext>
             </a:extLst>
           </p:cNvPr>
@@ -2373,7 +2373,7 @@
           <a:bodyPr/>
           <a:lstStyle/>
           <a:p>
-            <a:fld id="{7440E14E-EC14-40EA-8487-6EF4D867F966}" type="datetimeFigureOut">
+            <a:fld id="{3AE8D51A-ED13-4778-AE13-73172F4F8691}" type="datetimeFigureOut">
               <a:rPr lang="zh-CN" altLang="en-US" smtClean="0"/>
               <a:t>2024/3/10</a:t>
             </a:fld>
@@ -2386,7 +2386,7 @@
           <p:cNvPr id="6" name="页脚占位符 5">
             <a:extLst>
               <a:ext uri="{FF2B5EF4-FFF2-40B4-BE49-F238E27FC236}">
-                <a16:creationId xmlns:a16="http://schemas.microsoft.com/office/drawing/2014/main" id="{702C2184-673E-8D27-1053-F0B87DAD5342}"/>
+                <a16:creationId xmlns:a16="http://schemas.microsoft.com/office/drawing/2014/main" id="{133B72AE-28B8-1082-C73D-863884424CE4}"/>
               </a:ext>
             </a:extLst>
           </p:cNvPr>
@@ -2411,7 +2411,7 @@
           <p:cNvPr id="7" name="灯片编号占位符 6">
             <a:extLst>
               <a:ext uri="{FF2B5EF4-FFF2-40B4-BE49-F238E27FC236}">
-                <a16:creationId xmlns:a16="http://schemas.microsoft.com/office/drawing/2014/main" id="{4CF4AC09-96F7-3E9B-B4C3-0F10F4F72312}"/>
+                <a16:creationId xmlns:a16="http://schemas.microsoft.com/office/drawing/2014/main" id="{F067B5D8-87FD-BEAB-B9B4-3D82B4A58428}"/>
               </a:ext>
             </a:extLst>
           </p:cNvPr>
@@ -2427,7 +2427,7 @@
           <a:bodyPr/>
           <a:lstStyle/>
           <a:p>
-            <a:fld id="{814CFE4A-54BF-4900-921B-EBDB43DF2979}" type="slidenum">
+            <a:fld id="{59BF7247-DEE9-4A91-A2FD-C1B1921DE60E}" type="slidenum">
               <a:rPr lang="zh-CN" altLang="en-US" smtClean="0"/>
               <a:t>‹#›</a:t>
             </a:fld>
@@ -2438,7 +2438,7 @@
     </p:spTree>
     <p:extLst>
       <p:ext uri="{BB962C8B-B14F-4D97-AF65-F5344CB8AC3E}">
-        <p14:creationId xmlns:p14="http://schemas.microsoft.com/office/powerpoint/2010/main" val="3118709751"/>
+        <p14:creationId xmlns:p14="http://schemas.microsoft.com/office/powerpoint/2010/main" val="2998009711"/>
       </p:ext>
     </p:extLst>
   </p:cSld>
@@ -2470,7 +2470,7 @@
           <p:cNvPr id="2" name="标题 1">
             <a:extLst>
               <a:ext uri="{FF2B5EF4-FFF2-40B4-BE49-F238E27FC236}">
-                <a16:creationId xmlns:a16="http://schemas.microsoft.com/office/drawing/2014/main" id="{59DAA6E9-BC23-DC33-5C3A-E146DA05F48F}"/>
+                <a16:creationId xmlns:a16="http://schemas.microsoft.com/office/drawing/2014/main" id="{586FBBAC-CEB6-5CED-6AFA-8907A27224E4}"/>
               </a:ext>
             </a:extLst>
           </p:cNvPr>
@@ -2507,7 +2507,7 @@
           <p:cNvPr id="3" name="图片占位符 2">
             <a:extLst>
               <a:ext uri="{FF2B5EF4-FFF2-40B4-BE49-F238E27FC236}">
-                <a16:creationId xmlns:a16="http://schemas.microsoft.com/office/drawing/2014/main" id="{393FB0EB-410A-C4FD-F1B7-0B6597D08E34}"/>
+                <a16:creationId xmlns:a16="http://schemas.microsoft.com/office/drawing/2014/main" id="{B20D361F-027D-C10C-DB91-1AD4DFE19A8B}"/>
               </a:ext>
             </a:extLst>
           </p:cNvPr>
@@ -2574,7 +2574,7 @@
           <p:cNvPr id="4" name="文本占位符 3">
             <a:extLst>
               <a:ext uri="{FF2B5EF4-FFF2-40B4-BE49-F238E27FC236}">
-                <a16:creationId xmlns:a16="http://schemas.microsoft.com/office/drawing/2014/main" id="{35014D85-4BEA-1863-53E1-2BFE7D4BDD7D}"/>
+                <a16:creationId xmlns:a16="http://schemas.microsoft.com/office/drawing/2014/main" id="{FC37CAC0-3858-6429-F3AA-10FF2F985869}"/>
               </a:ext>
             </a:extLst>
           </p:cNvPr>
@@ -2645,7 +2645,7 @@
           <p:cNvPr id="5" name="日期占位符 4">
             <a:extLst>
               <a:ext uri="{FF2B5EF4-FFF2-40B4-BE49-F238E27FC236}">
-                <a16:creationId xmlns:a16="http://schemas.microsoft.com/office/drawing/2014/main" id="{5BDFB2F9-1ACE-F4E2-7010-4A76D4834B9D}"/>
+                <a16:creationId xmlns:a16="http://schemas.microsoft.com/office/drawing/2014/main" id="{37EDEF61-8D8B-18F3-399E-B067A2205A45}"/>
               </a:ext>
             </a:extLst>
           </p:cNvPr>
@@ -2661,7 +2661,7 @@
           <a:bodyPr/>
           <a:lstStyle/>
           <a:p>
-            <a:fld id="{7440E14E-EC14-40EA-8487-6EF4D867F966}" type="datetimeFigureOut">
+            <a:fld id="{3AE8D51A-ED13-4778-AE13-73172F4F8691}" type="datetimeFigureOut">
               <a:rPr lang="zh-CN" altLang="en-US" smtClean="0"/>
               <a:t>2024/3/10</a:t>
             </a:fld>
@@ -2674,7 +2674,7 @@
           <p:cNvPr id="6" name="页脚占位符 5">
             <a:extLst>
               <a:ext uri="{FF2B5EF4-FFF2-40B4-BE49-F238E27FC236}">
-                <a16:creationId xmlns:a16="http://schemas.microsoft.com/office/drawing/2014/main" id="{EDB10AAA-67A6-97C2-D580-B3ACFAF63867}"/>
+                <a16:creationId xmlns:a16="http://schemas.microsoft.com/office/drawing/2014/main" id="{51FA18F8-17E8-1507-BCA6-85EF60966968}"/>
               </a:ext>
             </a:extLst>
           </p:cNvPr>
@@ -2699,7 +2699,7 @@
           <p:cNvPr id="7" name="灯片编号占位符 6">
             <a:extLst>
               <a:ext uri="{FF2B5EF4-FFF2-40B4-BE49-F238E27FC236}">
-                <a16:creationId xmlns:a16="http://schemas.microsoft.com/office/drawing/2014/main" id="{89169B4F-74D1-B7E8-79E6-1661766E4DBF}"/>
+                <a16:creationId xmlns:a16="http://schemas.microsoft.com/office/drawing/2014/main" id="{3064E83E-EFEF-44B0-D2EE-C46859158BD6}"/>
               </a:ext>
             </a:extLst>
           </p:cNvPr>
@@ -2715,7 +2715,7 @@
           <a:bodyPr/>
           <a:lstStyle/>
           <a:p>
-            <a:fld id="{814CFE4A-54BF-4900-921B-EBDB43DF2979}" type="slidenum">
+            <a:fld id="{59BF7247-DEE9-4A91-A2FD-C1B1921DE60E}" type="slidenum">
               <a:rPr lang="zh-CN" altLang="en-US" smtClean="0"/>
               <a:t>‹#›</a:t>
             </a:fld>
@@ -2726,7 +2726,7 @@
     </p:spTree>
     <p:extLst>
       <p:ext uri="{BB962C8B-B14F-4D97-AF65-F5344CB8AC3E}">
-        <p14:creationId xmlns:p14="http://schemas.microsoft.com/office/powerpoint/2010/main" val="1029160146"/>
+        <p14:creationId xmlns:p14="http://schemas.microsoft.com/office/powerpoint/2010/main" val="1339368702"/>
       </p:ext>
     </p:extLst>
   </p:cSld>
@@ -2763,7 +2763,7 @@
           <p:cNvPr id="2" name="标题占位符 1">
             <a:extLst>
               <a:ext uri="{FF2B5EF4-FFF2-40B4-BE49-F238E27FC236}">
-                <a16:creationId xmlns:a16="http://schemas.microsoft.com/office/drawing/2014/main" id="{F78A5EC6-25F5-A3D8-A04C-591C72D93655}"/>
+                <a16:creationId xmlns:a16="http://schemas.microsoft.com/office/drawing/2014/main" id="{987DF68B-3951-DB3B-C07A-00C818ED603F}"/>
               </a:ext>
             </a:extLst>
           </p:cNvPr>
@@ -2801,7 +2801,7 @@
           <p:cNvPr id="3" name="文本占位符 2">
             <a:extLst>
               <a:ext uri="{FF2B5EF4-FFF2-40B4-BE49-F238E27FC236}">
-                <a16:creationId xmlns:a16="http://schemas.microsoft.com/office/drawing/2014/main" id="{6C717F99-0016-EA25-ABC8-A9C58B4245EF}"/>
+                <a16:creationId xmlns:a16="http://schemas.microsoft.com/office/drawing/2014/main" id="{D4C96A9F-BB8E-B43D-260D-4493AAD3EF0C}"/>
               </a:ext>
             </a:extLst>
           </p:cNvPr>
@@ -2868,7 +2868,7 @@
           <p:cNvPr id="4" name="日期占位符 3">
             <a:extLst>
               <a:ext uri="{FF2B5EF4-FFF2-40B4-BE49-F238E27FC236}">
-                <a16:creationId xmlns:a16="http://schemas.microsoft.com/office/drawing/2014/main" id="{8B3293C7-E9A5-FD26-EC65-BD988CC8FEB5}"/>
+                <a16:creationId xmlns:a16="http://schemas.microsoft.com/office/drawing/2014/main" id="{4C47BA12-2EDA-EDB7-5A65-F2207A278DBE}"/>
               </a:ext>
             </a:extLst>
           </p:cNvPr>
@@ -2902,7 +2902,7 @@
             </a:lvl1pPr>
           </a:lstStyle>
           <a:p>
-            <a:fld id="{7440E14E-EC14-40EA-8487-6EF4D867F966}" type="datetimeFigureOut">
+            <a:fld id="{3AE8D51A-ED13-4778-AE13-73172F4F8691}" type="datetimeFigureOut">
               <a:rPr lang="zh-CN" altLang="en-US" smtClean="0"/>
               <a:t>2024/3/10</a:t>
             </a:fld>
@@ -2915,7 +2915,7 @@
           <p:cNvPr id="5" name="页脚占位符 4">
             <a:extLst>
               <a:ext uri="{FF2B5EF4-FFF2-40B4-BE49-F238E27FC236}">
-                <a16:creationId xmlns:a16="http://schemas.microsoft.com/office/drawing/2014/main" id="{66C5D07A-A6C6-69B9-F930-C9FDEB8C1773}"/>
+                <a16:creationId xmlns:a16="http://schemas.microsoft.com/office/drawing/2014/main" id="{657543B6-8A38-09E0-4334-1E3690C5E749}"/>
               </a:ext>
             </a:extLst>
           </p:cNvPr>
@@ -2958,7 +2958,7 @@
           <p:cNvPr id="6" name="灯片编号占位符 5">
             <a:extLst>
               <a:ext uri="{FF2B5EF4-FFF2-40B4-BE49-F238E27FC236}">
-                <a16:creationId xmlns:a16="http://schemas.microsoft.com/office/drawing/2014/main" id="{7B28387C-2A68-10D7-9B66-9215F6100CD0}"/>
+                <a16:creationId xmlns:a16="http://schemas.microsoft.com/office/drawing/2014/main" id="{E6C06ECE-769E-9119-0FE8-9603467512F7}"/>
               </a:ext>
             </a:extLst>
           </p:cNvPr>
@@ -2992,7 +2992,7 @@
             </a:lvl1pPr>
           </a:lstStyle>
           <a:p>
-            <a:fld id="{814CFE4A-54BF-4900-921B-EBDB43DF2979}" type="slidenum">
+            <a:fld id="{59BF7247-DEE9-4A91-A2FD-C1B1921DE60E}" type="slidenum">
               <a:rPr lang="zh-CN" altLang="en-US" smtClean="0"/>
               <a:t>‹#›</a:t>
             </a:fld>
@@ -3003,7 +3003,7 @@
     </p:spTree>
     <p:extLst>
       <p:ext uri="{BB962C8B-B14F-4D97-AF65-F5344CB8AC3E}">
-        <p14:creationId xmlns:p14="http://schemas.microsoft.com/office/powerpoint/2010/main" val="924580960"/>
+        <p14:creationId xmlns:p14="http://schemas.microsoft.com/office/powerpoint/2010/main" val="3375529778"/>
       </p:ext>
     </p:extLst>
   </p:cSld>
@@ -3323,7 +3323,7 @@
       </p:grpSpPr>
       <p:pic>
         <p:nvPicPr>
-          <p:cNvPr id="694274" name="Picture 2" descr="677"/>
+          <p:cNvPr id="695298" name="Picture 2" descr="678"/>
           <p:cNvPicPr>
             <a:picLocks noChangeAspect="1" noChangeArrowheads="1"/>
           </p:cNvPicPr>
